--- a/Final Presentation - Slides v2.pptx
+++ b/Final Presentation - Slides v2.pptx
@@ -117,6 +117,35 @@
 </p:presentation>
 </file>
 
+<file path=ppt/changesInfos/changesInfo1.xml><?xml version="1.0" encoding="utf-8"?>
+<pc:chgInfo xmlns:a="http://schemas.openxmlformats.org/drawingml/2006/main" xmlns:r="http://schemas.openxmlformats.org/officeDocument/2006/relationships" xmlns:ac="http://schemas.microsoft.com/office/drawing/2013/main/command" xmlns:pc="http://schemas.microsoft.com/office/powerpoint/2013/main/command">
+  <pc:docChgLst>
+    <pc:chgData name="Dustin Elery" userId="843a45bcdfe74c68" providerId="LiveId" clId="{7061B644-E664-4C9D-A51D-E4E3A9CA133F}"/>
+    <pc:docChg chg="modSld">
+      <pc:chgData name="Dustin Elery" userId="843a45bcdfe74c68" providerId="LiveId" clId="{7061B644-E664-4C9D-A51D-E4E3A9CA133F}" dt="2021-05-25T18:57:17.843" v="3" actId="20577"/>
+      <pc:docMkLst>
+        <pc:docMk/>
+      </pc:docMkLst>
+      <pc:sldChg chg="modSp mod">
+        <pc:chgData name="Dustin Elery" userId="843a45bcdfe74c68" providerId="LiveId" clId="{7061B644-E664-4C9D-A51D-E4E3A9CA133F}" dt="2021-05-25T18:57:17.843" v="3" actId="20577"/>
+        <pc:sldMkLst>
+          <pc:docMk/>
+          <pc:sldMk cId="3374226764" sldId="258"/>
+        </pc:sldMkLst>
+        <pc:spChg chg="mod">
+          <ac:chgData name="Dustin Elery" userId="843a45bcdfe74c68" providerId="LiveId" clId="{7061B644-E664-4C9D-A51D-E4E3A9CA133F}" dt="2021-05-25T18:57:17.843" v="3" actId="20577"/>
+          <ac:spMkLst>
+            <pc:docMk/>
+            <pc:sldMk cId="3374226764" sldId="258"/>
+            <ac:spMk id="3" creationId="{29CEC16E-434D-443C-A166-CD9FFBDAF6F4}"/>
+          </ac:spMkLst>
+        </pc:spChg>
+      </pc:sldChg>
+    </pc:docChg>
+  </pc:docChgLst>
+</pc:chgInfo>
+</file>
+
 <file path=ppt/slideLayouts/slideLayout1.xml><?xml version="1.0" encoding="utf-8"?>
 <p:sldLayout xmlns:a="http://schemas.openxmlformats.org/drawingml/2006/main" xmlns:r="http://schemas.openxmlformats.org/officeDocument/2006/relationships" xmlns:p="http://schemas.openxmlformats.org/presentationml/2006/main" type="title" preserve="1">
   <p:cSld name="Title Slide">
@@ -280,7 +309,7 @@
           <a:p>
             <a:fld id="{4F3678CF-D104-4239-89B1-FD35BB7C6CFA}" type="datetimeFigureOut">
               <a:rPr lang="en-US" smtClean="0"/>
-              <a:t>5/20/2021</a:t>
+              <a:t>5/25/2021</a:t>
             </a:fld>
             <a:endParaRPr lang="en-US" dirty="0"/>
           </a:p>
@@ -450,7 +479,7 @@
           <a:p>
             <a:fld id="{4F3678CF-D104-4239-89B1-FD35BB7C6CFA}" type="datetimeFigureOut">
               <a:rPr lang="en-US" smtClean="0"/>
-              <a:t>5/20/2021</a:t>
+              <a:t>5/25/2021</a:t>
             </a:fld>
             <a:endParaRPr lang="en-US" dirty="0"/>
           </a:p>
@@ -630,7 +659,7 @@
           <a:p>
             <a:fld id="{4F3678CF-D104-4239-89B1-FD35BB7C6CFA}" type="datetimeFigureOut">
               <a:rPr lang="en-US" smtClean="0"/>
-              <a:t>5/20/2021</a:t>
+              <a:t>5/25/2021</a:t>
             </a:fld>
             <a:endParaRPr lang="en-US" dirty="0"/>
           </a:p>
@@ -800,7 +829,7 @@
           <a:p>
             <a:fld id="{4F3678CF-D104-4239-89B1-FD35BB7C6CFA}" type="datetimeFigureOut">
               <a:rPr lang="en-US" smtClean="0"/>
-              <a:t>5/20/2021</a:t>
+              <a:t>5/25/2021</a:t>
             </a:fld>
             <a:endParaRPr lang="en-US" dirty="0"/>
           </a:p>
@@ -1068,7 +1097,7 @@
           <a:p>
             <a:fld id="{4F3678CF-D104-4239-89B1-FD35BB7C6CFA}" type="datetimeFigureOut">
               <a:rPr lang="en-US" smtClean="0"/>
-              <a:t>5/20/2021</a:t>
+              <a:t>5/25/2021</a:t>
             </a:fld>
             <a:endParaRPr lang="en-US" dirty="0"/>
           </a:p>
@@ -1300,7 +1329,7 @@
           <a:p>
             <a:fld id="{4F3678CF-D104-4239-89B1-FD35BB7C6CFA}" type="datetimeFigureOut">
               <a:rPr lang="en-US" smtClean="0"/>
-              <a:t>5/20/2021</a:t>
+              <a:t>5/25/2021</a:t>
             </a:fld>
             <a:endParaRPr lang="en-US" dirty="0"/>
           </a:p>
@@ -1659,7 +1688,7 @@
           <a:p>
             <a:fld id="{4F3678CF-D104-4239-89B1-FD35BB7C6CFA}" type="datetimeFigureOut">
               <a:rPr lang="en-US" smtClean="0"/>
-              <a:t>5/20/2021</a:t>
+              <a:t>5/25/2021</a:t>
             </a:fld>
             <a:endParaRPr lang="en-US" dirty="0"/>
           </a:p>
@@ -1800,7 +1829,7 @@
           <a:p>
             <a:fld id="{4F3678CF-D104-4239-89B1-FD35BB7C6CFA}" type="datetimeFigureOut">
               <a:rPr lang="en-US" smtClean="0"/>
-              <a:t>5/20/2021</a:t>
+              <a:t>5/25/2021</a:t>
             </a:fld>
             <a:endParaRPr lang="en-US" dirty="0"/>
           </a:p>
@@ -1895,7 +1924,7 @@
           <a:p>
             <a:fld id="{4F3678CF-D104-4239-89B1-FD35BB7C6CFA}" type="datetimeFigureOut">
               <a:rPr lang="en-US" smtClean="0"/>
-              <a:t>5/20/2021</a:t>
+              <a:t>5/25/2021</a:t>
             </a:fld>
             <a:endParaRPr lang="en-US" dirty="0"/>
           </a:p>
@@ -2252,7 +2281,7 @@
           <a:p>
             <a:fld id="{4F3678CF-D104-4239-89B1-FD35BB7C6CFA}" type="datetimeFigureOut">
               <a:rPr lang="en-US" smtClean="0"/>
-              <a:t>5/20/2021</a:t>
+              <a:t>5/25/2021</a:t>
             </a:fld>
             <a:endParaRPr lang="en-US" dirty="0"/>
           </a:p>
@@ -2608,7 +2637,7 @@
           <a:p>
             <a:fld id="{4F3678CF-D104-4239-89B1-FD35BB7C6CFA}" type="datetimeFigureOut">
               <a:rPr lang="en-US" smtClean="0"/>
-              <a:t>5/20/2021</a:t>
+              <a:t>5/25/2021</a:t>
             </a:fld>
             <a:endParaRPr lang="en-US" dirty="0"/>
           </a:p>
@@ -2850,7 +2879,7 @@
           <a:p>
             <a:fld id="{4F3678CF-D104-4239-89B1-FD35BB7C6CFA}" type="datetimeFigureOut">
               <a:rPr lang="en-US" smtClean="0"/>
-              <a:t>5/20/2021</a:t>
+              <a:t>5/25/2021</a:t>
             </a:fld>
             <a:endParaRPr lang="en-US" dirty="0"/>
           </a:p>

--- a/Final Presentation - Slides v2.pptx
+++ b/Final Presentation - Slides v2.pptx
@@ -117,23 +117,46 @@
 </p:presentation>
 </file>
 
+<file path=ppt/revisionInfo.xml><?xml version="1.0" encoding="utf-8"?>
+<p1510:revInfo xmlns:a="http://schemas.openxmlformats.org/drawingml/2006/main" xmlns:r="http://schemas.openxmlformats.org/officeDocument/2006/relationships" xmlns:p1510="http://schemas.microsoft.com/office/powerpoint/2015/10/main">
+  <p1510:revLst>
+    <p1510:client id="{7061B644-E664-4C9D-A51D-E4E3A9CA133F}" v="1" dt="2021-05-25T21:44:07.550"/>
+  </p1510:revLst>
+</p1510:revInfo>
+</file>
+
 <file path=ppt/changesInfos/changesInfo1.xml><?xml version="1.0" encoding="utf-8"?>
 <pc:chgInfo xmlns:a="http://schemas.openxmlformats.org/drawingml/2006/main" xmlns:r="http://schemas.openxmlformats.org/officeDocument/2006/relationships" xmlns:ac="http://schemas.microsoft.com/office/drawing/2013/main/command" xmlns:pc="http://schemas.microsoft.com/office/powerpoint/2013/main/command">
   <pc:docChgLst>
     <pc:chgData name="Dustin Elery" userId="843a45bcdfe74c68" providerId="LiveId" clId="{7061B644-E664-4C9D-A51D-E4E3A9CA133F}"/>
     <pc:docChg chg="modSld">
-      <pc:chgData name="Dustin Elery" userId="843a45bcdfe74c68" providerId="LiveId" clId="{7061B644-E664-4C9D-A51D-E4E3A9CA133F}" dt="2021-05-25T18:57:17.843" v="3" actId="20577"/>
+      <pc:chgData name="Dustin Elery" userId="843a45bcdfe74c68" providerId="LiveId" clId="{7061B644-E664-4C9D-A51D-E4E3A9CA133F}" dt="2021-05-25T21:44:07.537" v="15" actId="20577"/>
       <pc:docMkLst>
         <pc:docMk/>
       </pc:docMkLst>
       <pc:sldChg chg="modSp mod">
-        <pc:chgData name="Dustin Elery" userId="843a45bcdfe74c68" providerId="LiveId" clId="{7061B644-E664-4C9D-A51D-E4E3A9CA133F}" dt="2021-05-25T18:57:17.843" v="3" actId="20577"/>
+        <pc:chgData name="Dustin Elery" userId="843a45bcdfe74c68" providerId="LiveId" clId="{7061B644-E664-4C9D-A51D-E4E3A9CA133F}" dt="2021-05-25T21:43:44.566" v="13" actId="20577"/>
+        <pc:sldMkLst>
+          <pc:docMk/>
+          <pc:sldMk cId="2114131046" sldId="257"/>
+        </pc:sldMkLst>
+        <pc:spChg chg="mod">
+          <ac:chgData name="Dustin Elery" userId="843a45bcdfe74c68" providerId="LiveId" clId="{7061B644-E664-4C9D-A51D-E4E3A9CA133F}" dt="2021-05-25T21:43:44.566" v="13" actId="20577"/>
+          <ac:spMkLst>
+            <pc:docMk/>
+            <pc:sldMk cId="2114131046" sldId="257"/>
+            <ac:spMk id="3" creationId="{3C0623D7-2467-4D8F-BAD4-FDE6952FC6D1}"/>
+          </ac:spMkLst>
+        </pc:spChg>
+      </pc:sldChg>
+      <pc:sldChg chg="modSp mod">
+        <pc:chgData name="Dustin Elery" userId="843a45bcdfe74c68" providerId="LiveId" clId="{7061B644-E664-4C9D-A51D-E4E3A9CA133F}" dt="2021-05-25T21:44:07.537" v="15" actId="20577"/>
         <pc:sldMkLst>
           <pc:docMk/>
           <pc:sldMk cId="3374226764" sldId="258"/>
         </pc:sldMkLst>
         <pc:spChg chg="mod">
-          <ac:chgData name="Dustin Elery" userId="843a45bcdfe74c68" providerId="LiveId" clId="{7061B644-E664-4C9D-A51D-E4E3A9CA133F}" dt="2021-05-25T18:57:17.843" v="3" actId="20577"/>
+          <ac:chgData name="Dustin Elery" userId="843a45bcdfe74c68" providerId="LiveId" clId="{7061B644-E664-4C9D-A51D-E4E3A9CA133F}" dt="2021-05-25T21:44:07.537" v="15" actId="20577"/>
           <ac:spMkLst>
             <pc:docMk/>
             <pc:sldMk cId="3374226764" sldId="258"/>
@@ -4039,7 +4062,7 @@
           <a:p>
             <a:r>
               <a:rPr lang="en-US" dirty="0"/>
-              <a:t>Tableau Functions Used: Hover filter, Cluster Model (Analytics)</a:t>
+              <a:t>Tableau Functions Used: Hover filter, Cluster Model (Analytics), LOD</a:t>
             </a:r>
           </a:p>
           <a:p>
@@ -4159,8 +4182,22 @@
           <a:p>
             <a:r>
               <a:rPr lang="en-US" dirty="0"/>
-              <a:t>Link to Dashboard’s</a:t>
-            </a:r>
+              <a:t>Link to Dashboards</a:t>
+            </a:r>
+            <a:r>
+              <a:rPr lang="en-US"/>
+              <a:t>: </a:t>
+            </a:r>
+            <a:r>
+              <a:rPr lang="en-US">
+                <a:hlinkClick r:id="rId2"/>
+              </a:rPr>
+              <a:t>https://public.tableau.com/profile/dustin.elery#!/vizhome/SharkTankDashboard/DealsDashboard?publish=yes</a:t>
+            </a:r>
+            <a:endParaRPr lang="en-US"/>
+          </a:p>
+          <a:p>
+            <a:endParaRPr lang="en-US" dirty="0"/>
           </a:p>
         </p:txBody>
       </p:sp>

--- a/Final Presentation - Slides v2.pptx
+++ b/Final Presentation - Slides v2.pptx
@@ -11,6 +11,7 @@
     <p:sldId id="261" r:id="rId5"/>
     <p:sldId id="257" r:id="rId6"/>
     <p:sldId id="258" r:id="rId7"/>
+    <p:sldId id="262" r:id="rId8"/>
   </p:sldIdLst>
   <p:sldSz cx="12192000" cy="6858000"/>
   <p:notesSz cx="6858000" cy="9144000"/>
@@ -120,7 +121,7 @@
 <file path=ppt/revisionInfo.xml><?xml version="1.0" encoding="utf-8"?>
 <p1510:revInfo xmlns:a="http://schemas.openxmlformats.org/drawingml/2006/main" xmlns:r="http://schemas.openxmlformats.org/officeDocument/2006/relationships" xmlns:p1510="http://schemas.microsoft.com/office/powerpoint/2015/10/main">
   <p1510:revLst>
-    <p1510:client id="{7061B644-E664-4C9D-A51D-E4E3A9CA133F}" v="1" dt="2021-05-25T21:44:07.550"/>
+    <p1510:client id="{7061B644-E664-4C9D-A51D-E4E3A9CA133F}" v="6" dt="2021-05-25T22:46:48.932"/>
   </p1510:revLst>
 </p1510:revInfo>
 </file>
@@ -129,8 +130,8 @@
 <pc:chgInfo xmlns:a="http://schemas.openxmlformats.org/drawingml/2006/main" xmlns:r="http://schemas.openxmlformats.org/officeDocument/2006/relationships" xmlns:ac="http://schemas.microsoft.com/office/drawing/2013/main/command" xmlns:pc="http://schemas.microsoft.com/office/powerpoint/2013/main/command">
   <pc:docChgLst>
     <pc:chgData name="Dustin Elery" userId="843a45bcdfe74c68" providerId="LiveId" clId="{7061B644-E664-4C9D-A51D-E4E3A9CA133F}"/>
-    <pc:docChg chg="modSld">
-      <pc:chgData name="Dustin Elery" userId="843a45bcdfe74c68" providerId="LiveId" clId="{7061B644-E664-4C9D-A51D-E4E3A9CA133F}" dt="2021-05-25T21:44:07.537" v="15" actId="20577"/>
+    <pc:docChg chg="addSld modSld">
+      <pc:chgData name="Dustin Elery" userId="843a45bcdfe74c68" providerId="LiveId" clId="{7061B644-E664-4C9D-A51D-E4E3A9CA133F}" dt="2021-05-25T22:46:48.931" v="36" actId="1076"/>
       <pc:docMkLst>
         <pc:docMk/>
       </pc:docMkLst>
@@ -163,6 +164,37 @@
             <ac:spMk id="3" creationId="{29CEC16E-434D-443C-A166-CD9FFBDAF6F4}"/>
           </ac:spMkLst>
         </pc:spChg>
+      </pc:sldChg>
+      <pc:sldChg chg="addSp delSp modSp new mod">
+        <pc:chgData name="Dustin Elery" userId="843a45bcdfe74c68" providerId="LiveId" clId="{7061B644-E664-4C9D-A51D-E4E3A9CA133F}" dt="2021-05-25T22:46:48.931" v="36" actId="1076"/>
+        <pc:sldMkLst>
+          <pc:docMk/>
+          <pc:sldMk cId="3969520163" sldId="262"/>
+        </pc:sldMkLst>
+        <pc:spChg chg="mod">
+          <ac:chgData name="Dustin Elery" userId="843a45bcdfe74c68" providerId="LiveId" clId="{7061B644-E664-4C9D-A51D-E4E3A9CA133F}" dt="2021-05-25T22:46:01.568" v="31" actId="20577"/>
+          <ac:spMkLst>
+            <pc:docMk/>
+            <pc:sldMk cId="3969520163" sldId="262"/>
+            <ac:spMk id="2" creationId="{C33A8461-24EE-432A-8C9A-B3EEBAC52442}"/>
+          </ac:spMkLst>
+        </pc:spChg>
+        <pc:spChg chg="del">
+          <ac:chgData name="Dustin Elery" userId="843a45bcdfe74c68" providerId="LiveId" clId="{7061B644-E664-4C9D-A51D-E4E3A9CA133F}" dt="2021-05-25T22:46:36.022" v="32"/>
+          <ac:spMkLst>
+            <pc:docMk/>
+            <pc:sldMk cId="3969520163" sldId="262"/>
+            <ac:spMk id="3" creationId="{A7576FD8-7A8D-4342-933E-61E2716AFAD2}"/>
+          </ac:spMkLst>
+        </pc:spChg>
+        <pc:picChg chg="add mod">
+          <ac:chgData name="Dustin Elery" userId="843a45bcdfe74c68" providerId="LiveId" clId="{7061B644-E664-4C9D-A51D-E4E3A9CA133F}" dt="2021-05-25T22:46:48.931" v="36" actId="1076"/>
+          <ac:picMkLst>
+            <pc:docMk/>
+            <pc:sldMk cId="3969520163" sldId="262"/>
+            <ac:picMk id="1026" creationId="{EE1BD4FB-E5F0-4754-86F6-B4A27F835523}"/>
+          </ac:picMkLst>
+        </pc:picChg>
       </pc:sldChg>
     </pc:docChg>
   </pc:docChgLst>
@@ -4214,6 +4246,116 @@
 </p:sld>
 </file>
 
+<file path=ppt/slides/slide7.xml><?xml version="1.0" encoding="utf-8"?>
+<p:sld xmlns:a="http://schemas.openxmlformats.org/drawingml/2006/main" xmlns:r="http://schemas.openxmlformats.org/officeDocument/2006/relationships" xmlns:p="http://schemas.openxmlformats.org/presentationml/2006/main">
+  <p:cSld>
+    <p:spTree>
+      <p:nvGrpSpPr>
+        <p:cNvPr id="1" name=""/>
+        <p:cNvGrpSpPr/>
+        <p:nvPr/>
+      </p:nvGrpSpPr>
+      <p:grpSpPr>
+        <a:xfrm>
+          <a:off x="0" y="0"/>
+          <a:ext cx="0" cy="0"/>
+          <a:chOff x="0" y="0"/>
+          <a:chExt cx="0" cy="0"/>
+        </a:xfrm>
+      </p:grpSpPr>
+      <p:sp>
+        <p:nvSpPr>
+          <p:cNvPr id="2" name="Title 1">
+            <a:extLst>
+              <a:ext uri="{FF2B5EF4-FFF2-40B4-BE49-F238E27FC236}">
+                <a16:creationId xmlns:a16="http://schemas.microsoft.com/office/drawing/2014/main" id="{C33A8461-24EE-432A-8C9A-B3EEBAC52442}"/>
+              </a:ext>
+            </a:extLst>
+          </p:cNvPr>
+          <p:cNvSpPr>
+            <a:spLocks noGrp="1"/>
+          </p:cNvSpPr>
+          <p:nvPr>
+            <p:ph type="title"/>
+          </p:nvPr>
+        </p:nvSpPr>
+        <p:spPr/>
+        <p:txBody>
+          <a:bodyPr/>
+          <a:lstStyle/>
+          <a:p>
+            <a:br>
+              <a:rPr lang="en-US" dirty="0"/>
+            </a:br>
+            <a:r>
+              <a:rPr lang="en-US" dirty="0"/>
+              <a:t>any Questions?</a:t>
+            </a:r>
+          </a:p>
+        </p:txBody>
+      </p:sp>
+      <p:pic>
+        <p:nvPicPr>
+          <p:cNvPr id="1026" name="Picture 2" descr="Question mark from Question words 274288 Vector Art at Vecteezy">
+            <a:extLst>
+              <a:ext uri="{FF2B5EF4-FFF2-40B4-BE49-F238E27FC236}">
+                <a16:creationId xmlns:a16="http://schemas.microsoft.com/office/drawing/2014/main" id="{EE1BD4FB-E5F0-4754-86F6-B4A27F835523}"/>
+              </a:ext>
+            </a:extLst>
+          </p:cNvPr>
+          <p:cNvPicPr>
+            <a:picLocks noGrp="1" noChangeAspect="1" noChangeArrowheads="1"/>
+          </p:cNvPicPr>
+          <p:nvPr>
+            <p:ph idx="1"/>
+          </p:nvPr>
+        </p:nvPicPr>
+        <p:blipFill>
+          <a:blip r:embed="rId2">
+            <a:extLst>
+              <a:ext uri="{28A0092B-C50C-407E-A947-70E740481C1C}">
+                <a14:useLocalDpi xmlns:a14="http://schemas.microsoft.com/office/drawing/2010/main" val="0"/>
+              </a:ext>
+            </a:extLst>
+          </a:blip>
+          <a:srcRect/>
+          <a:stretch>
+            <a:fillRect/>
+          </a:stretch>
+        </p:blipFill>
+        <p:spPr bwMode="auto">
+          <a:xfrm>
+            <a:off x="4456671" y="2628211"/>
+            <a:ext cx="2729338" cy="2866428"/>
+          </a:xfrm>
+          <a:prstGeom prst="rect">
+            <a:avLst/>
+          </a:prstGeom>
+          <a:noFill/>
+          <a:extLst>
+            <a:ext uri="{909E8E84-426E-40DD-AFC4-6F175D3DCCD1}">
+              <a14:hiddenFill xmlns:a14="http://schemas.microsoft.com/office/drawing/2010/main">
+                <a:solidFill>
+                  <a:srgbClr val="FFFFFF"/>
+                </a:solidFill>
+              </a14:hiddenFill>
+            </a:ext>
+          </a:extLst>
+        </p:spPr>
+      </p:pic>
+    </p:spTree>
+    <p:extLst>
+      <p:ext uri="{BB962C8B-B14F-4D97-AF65-F5344CB8AC3E}">
+        <p14:creationId xmlns:p14="http://schemas.microsoft.com/office/powerpoint/2010/main" val="3969520163"/>
+      </p:ext>
+    </p:extLst>
+  </p:cSld>
+  <p:clrMapOvr>
+    <a:masterClrMapping/>
+  </p:clrMapOvr>
+</p:sld>
+</file>
+
 <file path=ppt/theme/theme1.xml><?xml version="1.0" encoding="utf-8"?>
 <a:theme xmlns:a="http://schemas.openxmlformats.org/drawingml/2006/main" name="Parcel">
   <a:themeElements>

--- a/Final Presentation - Slides v2.pptx
+++ b/Final Presentation - Slides v2.pptx
@@ -121,7 +121,7 @@
 <file path=ppt/revisionInfo.xml><?xml version="1.0" encoding="utf-8"?>
 <p1510:revInfo xmlns:a="http://schemas.openxmlformats.org/drawingml/2006/main" xmlns:r="http://schemas.openxmlformats.org/officeDocument/2006/relationships" xmlns:p1510="http://schemas.microsoft.com/office/powerpoint/2015/10/main">
   <p1510:revLst>
-    <p1510:client id="{7061B644-E664-4C9D-A51D-E4E3A9CA133F}" v="6" dt="2021-05-25T22:46:48.932"/>
+    <p1510:client id="{7061B644-E664-4C9D-A51D-E4E3A9CA133F}" v="11" dt="2021-05-27T21:47:04.819"/>
   </p1510:revLst>
 </p1510:revInfo>
 </file>
@@ -130,19 +130,19 @@
 <pc:chgInfo xmlns:a="http://schemas.openxmlformats.org/drawingml/2006/main" xmlns:r="http://schemas.openxmlformats.org/officeDocument/2006/relationships" xmlns:ac="http://schemas.microsoft.com/office/drawing/2013/main/command" xmlns:pc="http://schemas.microsoft.com/office/powerpoint/2013/main/command">
   <pc:docChgLst>
     <pc:chgData name="Dustin Elery" userId="843a45bcdfe74c68" providerId="LiveId" clId="{7061B644-E664-4C9D-A51D-E4E3A9CA133F}"/>
-    <pc:docChg chg="addSld modSld">
-      <pc:chgData name="Dustin Elery" userId="843a45bcdfe74c68" providerId="LiveId" clId="{7061B644-E664-4C9D-A51D-E4E3A9CA133F}" dt="2021-05-25T22:46:48.931" v="36" actId="1076"/>
+    <pc:docChg chg="custSel addSld modSld">
+      <pc:chgData name="Dustin Elery" userId="843a45bcdfe74c68" providerId="LiveId" clId="{7061B644-E664-4C9D-A51D-E4E3A9CA133F}" dt="2021-05-27T21:47:08.390" v="50" actId="6549"/>
       <pc:docMkLst>
         <pc:docMk/>
       </pc:docMkLst>
       <pc:sldChg chg="modSp mod">
-        <pc:chgData name="Dustin Elery" userId="843a45bcdfe74c68" providerId="LiveId" clId="{7061B644-E664-4C9D-A51D-E4E3A9CA133F}" dt="2021-05-25T21:43:44.566" v="13" actId="20577"/>
+        <pc:chgData name="Dustin Elery" userId="843a45bcdfe74c68" providerId="LiveId" clId="{7061B644-E664-4C9D-A51D-E4E3A9CA133F}" dt="2021-05-27T21:45:52.376" v="48" actId="20577"/>
         <pc:sldMkLst>
           <pc:docMk/>
           <pc:sldMk cId="2114131046" sldId="257"/>
         </pc:sldMkLst>
         <pc:spChg chg="mod">
-          <ac:chgData name="Dustin Elery" userId="843a45bcdfe74c68" providerId="LiveId" clId="{7061B644-E664-4C9D-A51D-E4E3A9CA133F}" dt="2021-05-25T21:43:44.566" v="13" actId="20577"/>
+          <ac:chgData name="Dustin Elery" userId="843a45bcdfe74c68" providerId="LiveId" clId="{7061B644-E664-4C9D-A51D-E4E3A9CA133F}" dt="2021-05-27T21:45:52.376" v="48" actId="20577"/>
           <ac:spMkLst>
             <pc:docMk/>
             <pc:sldMk cId="2114131046" sldId="257"/>
@@ -162,6 +162,36 @@
             <pc:docMk/>
             <pc:sldMk cId="3374226764" sldId="258"/>
             <ac:spMk id="3" creationId="{29CEC16E-434D-443C-A166-CD9FFBDAF6F4}"/>
+          </ac:spMkLst>
+        </pc:spChg>
+      </pc:sldChg>
+      <pc:sldChg chg="modSp mod">
+        <pc:chgData name="Dustin Elery" userId="843a45bcdfe74c68" providerId="LiveId" clId="{7061B644-E664-4C9D-A51D-E4E3A9CA133F}" dt="2021-05-27T21:44:01.737" v="43" actId="20577"/>
+        <pc:sldMkLst>
+          <pc:docMk/>
+          <pc:sldMk cId="2797378828" sldId="259"/>
+        </pc:sldMkLst>
+        <pc:spChg chg="mod">
+          <ac:chgData name="Dustin Elery" userId="843a45bcdfe74c68" providerId="LiveId" clId="{7061B644-E664-4C9D-A51D-E4E3A9CA133F}" dt="2021-05-27T21:44:01.737" v="43" actId="20577"/>
+          <ac:spMkLst>
+            <pc:docMk/>
+            <pc:sldMk cId="2797378828" sldId="259"/>
+            <ac:spMk id="3" creationId="{56378123-B45F-4820-8C37-C3ADE0149D6C}"/>
+          </ac:spMkLst>
+        </pc:spChg>
+      </pc:sldChg>
+      <pc:sldChg chg="modSp mod">
+        <pc:chgData name="Dustin Elery" userId="843a45bcdfe74c68" providerId="LiveId" clId="{7061B644-E664-4C9D-A51D-E4E3A9CA133F}" dt="2021-05-27T21:47:08.390" v="50" actId="6549"/>
+        <pc:sldMkLst>
+          <pc:docMk/>
+          <pc:sldMk cId="481207256" sldId="261"/>
+        </pc:sldMkLst>
+        <pc:spChg chg="mod">
+          <ac:chgData name="Dustin Elery" userId="843a45bcdfe74c68" providerId="LiveId" clId="{7061B644-E664-4C9D-A51D-E4E3A9CA133F}" dt="2021-05-27T21:47:08.390" v="50" actId="6549"/>
+          <ac:spMkLst>
+            <pc:docMk/>
+            <pc:sldMk cId="481207256" sldId="261"/>
+            <ac:spMk id="3" creationId="{9D18BAC3-756A-4160-AB1D-DE81D19076C3}"/>
           </ac:spMkLst>
         </pc:spChg>
       </pc:sldChg>
@@ -364,7 +394,7 @@
           <a:p>
             <a:fld id="{4F3678CF-D104-4239-89B1-FD35BB7C6CFA}" type="datetimeFigureOut">
               <a:rPr lang="en-US" smtClean="0"/>
-              <a:t>5/25/2021</a:t>
+              <a:t>5/27/2021</a:t>
             </a:fld>
             <a:endParaRPr lang="en-US" dirty="0"/>
           </a:p>
@@ -534,7 +564,7 @@
           <a:p>
             <a:fld id="{4F3678CF-D104-4239-89B1-FD35BB7C6CFA}" type="datetimeFigureOut">
               <a:rPr lang="en-US" smtClean="0"/>
-              <a:t>5/25/2021</a:t>
+              <a:t>5/27/2021</a:t>
             </a:fld>
             <a:endParaRPr lang="en-US" dirty="0"/>
           </a:p>
@@ -714,7 +744,7 @@
           <a:p>
             <a:fld id="{4F3678CF-D104-4239-89B1-FD35BB7C6CFA}" type="datetimeFigureOut">
               <a:rPr lang="en-US" smtClean="0"/>
-              <a:t>5/25/2021</a:t>
+              <a:t>5/27/2021</a:t>
             </a:fld>
             <a:endParaRPr lang="en-US" dirty="0"/>
           </a:p>
@@ -884,7 +914,7 @@
           <a:p>
             <a:fld id="{4F3678CF-D104-4239-89B1-FD35BB7C6CFA}" type="datetimeFigureOut">
               <a:rPr lang="en-US" smtClean="0"/>
-              <a:t>5/25/2021</a:t>
+              <a:t>5/27/2021</a:t>
             </a:fld>
             <a:endParaRPr lang="en-US" dirty="0"/>
           </a:p>
@@ -1152,7 +1182,7 @@
           <a:p>
             <a:fld id="{4F3678CF-D104-4239-89B1-FD35BB7C6CFA}" type="datetimeFigureOut">
               <a:rPr lang="en-US" smtClean="0"/>
-              <a:t>5/25/2021</a:t>
+              <a:t>5/27/2021</a:t>
             </a:fld>
             <a:endParaRPr lang="en-US" dirty="0"/>
           </a:p>
@@ -1384,7 +1414,7 @@
           <a:p>
             <a:fld id="{4F3678CF-D104-4239-89B1-FD35BB7C6CFA}" type="datetimeFigureOut">
               <a:rPr lang="en-US" smtClean="0"/>
-              <a:t>5/25/2021</a:t>
+              <a:t>5/27/2021</a:t>
             </a:fld>
             <a:endParaRPr lang="en-US" dirty="0"/>
           </a:p>
@@ -1743,7 +1773,7 @@
           <a:p>
             <a:fld id="{4F3678CF-D104-4239-89B1-FD35BB7C6CFA}" type="datetimeFigureOut">
               <a:rPr lang="en-US" smtClean="0"/>
-              <a:t>5/25/2021</a:t>
+              <a:t>5/27/2021</a:t>
             </a:fld>
             <a:endParaRPr lang="en-US" dirty="0"/>
           </a:p>
@@ -1884,7 +1914,7 @@
           <a:p>
             <a:fld id="{4F3678CF-D104-4239-89B1-FD35BB7C6CFA}" type="datetimeFigureOut">
               <a:rPr lang="en-US" smtClean="0"/>
-              <a:t>5/25/2021</a:t>
+              <a:t>5/27/2021</a:t>
             </a:fld>
             <a:endParaRPr lang="en-US" dirty="0"/>
           </a:p>
@@ -1979,7 +2009,7 @@
           <a:p>
             <a:fld id="{4F3678CF-D104-4239-89B1-FD35BB7C6CFA}" type="datetimeFigureOut">
               <a:rPr lang="en-US" smtClean="0"/>
-              <a:t>5/25/2021</a:t>
+              <a:t>5/27/2021</a:t>
             </a:fld>
             <a:endParaRPr lang="en-US" dirty="0"/>
           </a:p>
@@ -2336,7 +2366,7 @@
           <a:p>
             <a:fld id="{4F3678CF-D104-4239-89B1-FD35BB7C6CFA}" type="datetimeFigureOut">
               <a:rPr lang="en-US" smtClean="0"/>
-              <a:t>5/25/2021</a:t>
+              <a:t>5/27/2021</a:t>
             </a:fld>
             <a:endParaRPr lang="en-US" dirty="0"/>
           </a:p>
@@ -2692,7 +2722,7 @@
           <a:p>
             <a:fld id="{4F3678CF-D104-4239-89B1-FD35BB7C6CFA}" type="datetimeFigureOut">
               <a:rPr lang="en-US" smtClean="0"/>
-              <a:t>5/25/2021</a:t>
+              <a:t>5/27/2021</a:t>
             </a:fld>
             <a:endParaRPr lang="en-US" dirty="0"/>
           </a:p>
@@ -2934,7 +2964,7 @@
           <a:p>
             <a:fld id="{4F3678CF-D104-4239-89B1-FD35BB7C6CFA}" type="datetimeFigureOut">
               <a:rPr lang="en-US" smtClean="0"/>
-              <a:t>5/25/2021</a:t>
+              <a:t>5/27/2021</a:t>
             </a:fld>
             <a:endParaRPr lang="en-US" dirty="0"/>
           </a:p>
@@ -3616,13 +3646,7 @@
           <a:p>
             <a:r>
               <a:rPr lang="en-US" dirty="0"/>
-              <a:t>Data Source:</a:t>
-            </a:r>
-          </a:p>
-          <a:p>
-            <a:r>
-              <a:rPr lang="en-US" dirty="0"/>
-              <a:t>ETL</a:t>
+              <a:t>Data Source and ETL</a:t>
             </a:r>
           </a:p>
           <a:p>
@@ -3898,13 +3922,8 @@
           <a:p>
             <a:r>
               <a:rPr lang="en-US" dirty="0"/>
-              <a:t>Library: </a:t>
-            </a:r>
-            <a:r>
-              <a:rPr lang="en-US" dirty="0" err="1"/>
-              <a:t>SKLearn</a:t>
-            </a:r>
-            <a:endParaRPr lang="en-US" dirty="0"/>
+              <a:t>Library: SKLearn</a:t>
+            </a:r>
           </a:p>
           <a:p>
             <a:pPr lvl="1"/>
@@ -3914,39 +3933,7 @@
             </a:r>
             <a:r>
               <a:rPr lang="en-US" dirty="0"/>
-              <a:t>, </a:t>
-            </a:r>
-            <a:r>
-              <a:rPr lang="en-US" dirty="0" err="1"/>
-              <a:t>DecisionTree</a:t>
-            </a:r>
-            <a:r>
-              <a:rPr lang="en-US" dirty="0"/>
-              <a:t>, </a:t>
-            </a:r>
-            <a:r>
-              <a:rPr lang="en-US" dirty="0" err="1"/>
-              <a:t>RandomForest</a:t>
-            </a:r>
-            <a:r>
-              <a:rPr lang="en-US" dirty="0"/>
-              <a:t>, </a:t>
-            </a:r>
-            <a:r>
-              <a:rPr lang="en-US" dirty="0" err="1"/>
-              <a:t>GradientBoosting</a:t>
-            </a:r>
-            <a:r>
-              <a:rPr lang="en-US" dirty="0"/>
-              <a:t>, SGD,  SVM, </a:t>
-            </a:r>
-            <a:r>
-              <a:rPr lang="en-US" dirty="0" err="1"/>
-              <a:t>MultiNomialNB</a:t>
-            </a:r>
-            <a:r>
-              <a:rPr lang="en-US" dirty="0"/>
-              <a:t>, Metrics</a:t>
+              <a:t>, DecisionTree, RandomForest, GradientBoosting, SGD,  SVM, MultiNomialNB, Metrics</a:t>
             </a:r>
           </a:p>
           <a:p>
@@ -4094,7 +4081,7 @@
           <a:p>
             <a:r>
               <a:rPr lang="en-US" dirty="0"/>
-              <a:t>Tableau Functions Used: Hover filter, Cluster Model (Analytics), LOD</a:t>
+              <a:t>Tableau Functions Used: Click filter, Cluster Model (Analytics), LOD</a:t>
             </a:r>
           </a:p>
           <a:p>
@@ -4214,19 +4201,15 @@
           <a:p>
             <a:r>
               <a:rPr lang="en-US" dirty="0"/>
-              <a:t>Link to Dashboards</a:t>
-            </a:r>
-            <a:r>
-              <a:rPr lang="en-US"/>
-              <a:t>: </a:t>
-            </a:r>
-            <a:r>
-              <a:rPr lang="en-US">
+              <a:t>Link to Dashboards: </a:t>
+            </a:r>
+            <a:r>
+              <a:rPr lang="en-US" dirty="0">
                 <a:hlinkClick r:id="rId2"/>
               </a:rPr>
               <a:t>https://public.tableau.com/profile/dustin.elery#!/vizhome/SharkTankDashboard/DealsDashboard?publish=yes</a:t>
             </a:r>
-            <a:endParaRPr lang="en-US"/>
+            <a:endParaRPr lang="en-US" dirty="0"/>
           </a:p>
           <a:p>
             <a:endParaRPr lang="en-US" dirty="0"/>

--- a/Final Presentation - Slides v2.pptx
+++ b/Final Presentation - Slides v2.pptx
@@ -121,7 +121,7 @@
 <file path=ppt/revisionInfo.xml><?xml version="1.0" encoding="utf-8"?>
 <p1510:revInfo xmlns:a="http://schemas.openxmlformats.org/drawingml/2006/main" xmlns:r="http://schemas.openxmlformats.org/officeDocument/2006/relationships" xmlns:p1510="http://schemas.microsoft.com/office/powerpoint/2015/10/main">
   <p1510:revLst>
-    <p1510:client id="{7061B644-E664-4C9D-A51D-E4E3A9CA133F}" v="11" dt="2021-05-27T21:47:04.819"/>
+    <p1510:client id="{7061B644-E664-4C9D-A51D-E4E3A9CA133F}" v="12" dt="2021-05-27T21:55:12.290"/>
   </p1510:revLst>
 </p1510:revInfo>
 </file>
